--- a/XII class/DB - Module 3/01. Информации и данни (преговор)/Информация и данни.pptx
+++ b/XII class/DB - Module 3/01. Информации и данни (преговор)/Информация и данни.pptx
@@ -110,6 +110,11 @@
       </a:defRPr>
     </a:lvl9pPr>
   </p:defaultTextStyle>
+  <p:extLst>
+    <p:ext uri="{EFAFB233-063F-42B5-8137-9DF3F51BA10A}">
+      <p15:sldGuideLst xmlns:p15="http://schemas.microsoft.com/office/powerpoint/2012/main"/>
+    </p:ext>
+  </p:extLst>
 </p:presentation>
 </file>
 
@@ -506,7 +511,7 @@
           <a:p>
             <a:fld id="{11EAACC7-3B3F-47D1-959A-EF58926E955E}" type="datetimeFigureOut">
               <a:rPr lang="en-US" smtClean="0"/>
-              <a:t>9/16/2024</a:t>
+              <a:t>9/18/2024</a:t>
             </a:fld>
             <a:endParaRPr lang="en-US"/>
           </a:p>
@@ -704,7 +709,7 @@
           <a:p>
             <a:fld id="{11EAACC7-3B3F-47D1-959A-EF58926E955E}" type="datetimeFigureOut">
               <a:rPr lang="en-US" smtClean="0"/>
-              <a:t>9/16/2024</a:t>
+              <a:t>9/18/2024</a:t>
             </a:fld>
             <a:endParaRPr lang="en-US"/>
           </a:p>
@@ -912,7 +917,7 @@
           <a:p>
             <a:fld id="{11EAACC7-3B3F-47D1-959A-EF58926E955E}" type="datetimeFigureOut">
               <a:rPr lang="en-US" smtClean="0"/>
-              <a:t>9/16/2024</a:t>
+              <a:t>9/18/2024</a:t>
             </a:fld>
             <a:endParaRPr lang="en-US"/>
           </a:p>
@@ -1141,7 +1146,7 @@
           <a:p>
             <a:fld id="{11EAACC7-3B3F-47D1-959A-EF58926E955E}" type="datetimeFigureOut">
               <a:rPr lang="en-US" smtClean="0"/>
-              <a:t>9/16/2024</a:t>
+              <a:t>9/18/2024</a:t>
             </a:fld>
             <a:endParaRPr lang="en-US" dirty="0"/>
           </a:p>
@@ -1416,7 +1421,7 @@
           <a:p>
             <a:fld id="{11EAACC7-3B3F-47D1-959A-EF58926E955E}" type="datetimeFigureOut">
               <a:rPr lang="en-US" smtClean="0"/>
-              <a:t>9/16/2024</a:t>
+              <a:t>9/18/2024</a:t>
             </a:fld>
             <a:endParaRPr lang="en-US"/>
           </a:p>
@@ -1682,7 +1687,7 @@
           <a:p>
             <a:fld id="{11EAACC7-3B3F-47D1-959A-EF58926E955E}" type="datetimeFigureOut">
               <a:rPr lang="en-US" smtClean="0"/>
-              <a:t>9/16/2024</a:t>
+              <a:t>9/18/2024</a:t>
             </a:fld>
             <a:endParaRPr lang="en-US"/>
           </a:p>
@@ -2099,7 +2104,7 @@
           <a:p>
             <a:fld id="{11EAACC7-3B3F-47D1-959A-EF58926E955E}" type="datetimeFigureOut">
               <a:rPr lang="en-US" smtClean="0"/>
-              <a:t>9/16/2024</a:t>
+              <a:t>9/18/2024</a:t>
             </a:fld>
             <a:endParaRPr lang="en-US"/>
           </a:p>
@@ -2240,7 +2245,7 @@
           <a:p>
             <a:fld id="{11EAACC7-3B3F-47D1-959A-EF58926E955E}" type="datetimeFigureOut">
               <a:rPr lang="en-US" smtClean="0"/>
-              <a:t>9/16/2024</a:t>
+              <a:t>9/18/2024</a:t>
             </a:fld>
             <a:endParaRPr lang="en-US"/>
           </a:p>
@@ -2353,7 +2358,7 @@
           <a:p>
             <a:fld id="{11EAACC7-3B3F-47D1-959A-EF58926E955E}" type="datetimeFigureOut">
               <a:rPr lang="en-US" smtClean="0"/>
-              <a:t>9/16/2024</a:t>
+              <a:t>9/18/2024</a:t>
             </a:fld>
             <a:endParaRPr lang="en-US"/>
           </a:p>
@@ -2664,7 +2669,7 @@
           <a:p>
             <a:fld id="{11EAACC7-3B3F-47D1-959A-EF58926E955E}" type="datetimeFigureOut">
               <a:rPr lang="en-US" smtClean="0"/>
-              <a:t>9/16/2024</a:t>
+              <a:t>9/18/2024</a:t>
             </a:fld>
             <a:endParaRPr lang="en-US"/>
           </a:p>
@@ -2955,7 +2960,7 @@
           <a:p>
             <a:fld id="{11EAACC7-3B3F-47D1-959A-EF58926E955E}" type="datetimeFigureOut">
               <a:rPr lang="en-US" smtClean="0"/>
-              <a:t>9/16/2024</a:t>
+              <a:t>9/18/2024</a:t>
             </a:fld>
             <a:endParaRPr lang="en-US"/>
           </a:p>
@@ -3512,7 +3517,7 @@
           <a:p>
             <a:fld id="{11EAACC7-3B3F-47D1-959A-EF58926E955E}" type="datetimeFigureOut">
               <a:rPr lang="en-US" smtClean="0"/>
-              <a:t>9/16/2024</a:t>
+              <a:t>9/18/2024</a:t>
             </a:fld>
             <a:endParaRPr lang="en-US"/>
           </a:p>
@@ -6006,7 +6011,19 @@
             </a:pPr>
             <a:r>
               <a:rPr lang="bg-BG" dirty="0"/>
-              <a:t>Тези процеси осигуряватефективно съхранение на данни, което е необходимо за тяхното последващо използване и анализ.</a:t>
+              <a:t>Тези процеси осигуряват</a:t>
+            </a:r>
+            <a:r>
+              <a:rPr lang="en-GB"/>
+              <a:t> </a:t>
+            </a:r>
+            <a:r>
+              <a:rPr lang="bg-BG"/>
+              <a:t>ефективно </a:t>
+            </a:r>
+            <a:r>
+              <a:rPr lang="bg-BG" dirty="0"/>
+              <a:t>съхранение на данни, което е необходимо за тяхното последващо използване и анализ.</a:t>
             </a:r>
             <a:endParaRPr lang="en-GB" dirty="0"/>
           </a:p>
